--- a/src/main/resources/screens/screens.pptx
+++ b/src/main/resources/screens/screens.pptx
@@ -5,7 +5,7 @@
     <p:sldMasterId id="2147483648" r:id="rId1"/>
   </p:sldMasterIdLst>
   <p:notesMasterIdLst>
-    <p:notesMasterId r:id="rId9"/>
+    <p:notesMasterId r:id="rId11"/>
   </p:notesMasterIdLst>
   <p:sldIdLst>
     <p:sldId id="256" r:id="rId2"/>
@@ -14,7 +14,9 @@
     <p:sldId id="266" r:id="rId5"/>
     <p:sldId id="263" r:id="rId6"/>
     <p:sldId id="264" r:id="rId7"/>
-    <p:sldId id="259" r:id="rId8"/>
+    <p:sldId id="267" r:id="rId8"/>
+    <p:sldId id="268" r:id="rId9"/>
+    <p:sldId id="259" r:id="rId10"/>
   </p:sldIdLst>
   <p:sldSz cx="12192000" cy="6858000"/>
   <p:notesSz cx="6858000" cy="9144000"/>
@@ -1619,7 +1621,7 @@
           <a:p>
             <a:fld id="{EDACC19D-B7AB-4B9C-ABEB-7993E09144A3}" type="datetimeFigureOut">
               <a:rPr lang="en-US" smtClean="0"/>
-              <a:t>7/17/2023</a:t>
+              <a:t>7/21/2023</a:t>
             </a:fld>
             <a:endParaRPr lang="en-US"/>
           </a:p>
@@ -2043,7 +2045,7 @@
           <a:p>
             <a:fld id="{BE32F33A-C479-4D0E-9ABB-BD2C8508AD78}" type="datetimeFigureOut">
               <a:rPr lang="en-US" smtClean="0"/>
-              <a:t>7/17/2023</a:t>
+              <a:t>7/21/2023</a:t>
             </a:fld>
             <a:endParaRPr lang="en-US"/>
           </a:p>
@@ -2251,7 +2253,7 @@
           <a:p>
             <a:fld id="{BE32F33A-C479-4D0E-9ABB-BD2C8508AD78}" type="datetimeFigureOut">
               <a:rPr lang="en-US" smtClean="0"/>
-              <a:t>7/17/2023</a:t>
+              <a:t>7/21/2023</a:t>
             </a:fld>
             <a:endParaRPr lang="en-US"/>
           </a:p>
@@ -2469,7 +2471,7 @@
           <a:p>
             <a:fld id="{BE32F33A-C479-4D0E-9ABB-BD2C8508AD78}" type="datetimeFigureOut">
               <a:rPr lang="en-US" smtClean="0"/>
-              <a:t>7/17/2023</a:t>
+              <a:t>7/21/2023</a:t>
             </a:fld>
             <a:endParaRPr lang="en-US"/>
           </a:p>
@@ -2677,7 +2679,7 @@
           <a:p>
             <a:fld id="{BE32F33A-C479-4D0E-9ABB-BD2C8508AD78}" type="datetimeFigureOut">
               <a:rPr lang="en-US" smtClean="0"/>
-              <a:t>7/17/2023</a:t>
+              <a:t>7/21/2023</a:t>
             </a:fld>
             <a:endParaRPr lang="en-US"/>
           </a:p>
@@ -2962,7 +2964,7 @@
           <a:p>
             <a:fld id="{BE32F33A-C479-4D0E-9ABB-BD2C8508AD78}" type="datetimeFigureOut">
               <a:rPr lang="en-US" smtClean="0"/>
-              <a:t>7/17/2023</a:t>
+              <a:t>7/21/2023</a:t>
             </a:fld>
             <a:endParaRPr lang="en-US"/>
           </a:p>
@@ -3237,7 +3239,7 @@
           <a:p>
             <a:fld id="{BE32F33A-C479-4D0E-9ABB-BD2C8508AD78}" type="datetimeFigureOut">
               <a:rPr lang="en-US" smtClean="0"/>
-              <a:t>7/17/2023</a:t>
+              <a:t>7/21/2023</a:t>
             </a:fld>
             <a:endParaRPr lang="en-US"/>
           </a:p>
@@ -3659,7 +3661,7 @@
           <a:p>
             <a:fld id="{BE32F33A-C479-4D0E-9ABB-BD2C8508AD78}" type="datetimeFigureOut">
               <a:rPr lang="en-US" smtClean="0"/>
-              <a:t>7/17/2023</a:t>
+              <a:t>7/21/2023</a:t>
             </a:fld>
             <a:endParaRPr lang="en-US"/>
           </a:p>
@@ -3810,7 +3812,7 @@
           <a:p>
             <a:fld id="{BE32F33A-C479-4D0E-9ABB-BD2C8508AD78}" type="datetimeFigureOut">
               <a:rPr lang="en-US" smtClean="0"/>
-              <a:t>7/17/2023</a:t>
+              <a:t>7/21/2023</a:t>
             </a:fld>
             <a:endParaRPr lang="en-US"/>
           </a:p>
@@ -3933,7 +3935,7 @@
           <a:p>
             <a:fld id="{BE32F33A-C479-4D0E-9ABB-BD2C8508AD78}" type="datetimeFigureOut">
               <a:rPr lang="en-US" smtClean="0"/>
-              <a:t>7/17/2023</a:t>
+              <a:t>7/21/2023</a:t>
             </a:fld>
             <a:endParaRPr lang="en-US"/>
           </a:p>
@@ -4254,7 +4256,7 @@
           <a:p>
             <a:fld id="{BE32F33A-C479-4D0E-9ABB-BD2C8508AD78}" type="datetimeFigureOut">
               <a:rPr lang="en-US" smtClean="0"/>
-              <a:t>7/17/2023</a:t>
+              <a:t>7/21/2023</a:t>
             </a:fld>
             <a:endParaRPr lang="en-US"/>
           </a:p>
@@ -4552,7 +4554,7 @@
           <a:p>
             <a:fld id="{BE32F33A-C479-4D0E-9ABB-BD2C8508AD78}" type="datetimeFigureOut">
               <a:rPr lang="en-US" smtClean="0"/>
-              <a:t>7/17/2023</a:t>
+              <a:t>7/21/2023</a:t>
             </a:fld>
             <a:endParaRPr lang="en-US"/>
           </a:p>
@@ -4798,7 +4800,7 @@
           <a:p>
             <a:fld id="{BE32F33A-C479-4D0E-9ABB-BD2C8508AD78}" type="datetimeFigureOut">
               <a:rPr lang="en-US" smtClean="0"/>
-              <a:t>7/17/2023</a:t>
+              <a:t>7/21/2023</a:t>
             </a:fld>
             <a:endParaRPr lang="en-US"/>
           </a:p>
@@ -12156,6 +12158,1178 @@
 </file>
 
 <file path=ppt/slides/slide7.xml><?xml version="1.0" encoding="utf-8"?>
+<p:sld xmlns:a="http://schemas.openxmlformats.org/drawingml/2006/main" xmlns:r="http://schemas.openxmlformats.org/officeDocument/2006/relationships" xmlns:p="http://schemas.openxmlformats.org/presentationml/2006/main">
+  <p:cSld>
+    <p:spTree>
+      <p:nvGrpSpPr>
+        <p:cNvPr id="1" name=""/>
+        <p:cNvGrpSpPr/>
+        <p:nvPr/>
+      </p:nvGrpSpPr>
+      <p:grpSpPr>
+        <a:xfrm>
+          <a:off x="0" y="0"/>
+          <a:ext cx="0" cy="0"/>
+          <a:chOff x="0" y="0"/>
+          <a:chExt cx="0" cy="0"/>
+        </a:xfrm>
+      </p:grpSpPr>
+      <p:sp>
+        <p:nvSpPr>
+          <p:cNvPr id="71" name="TextBox 70">
+            <a:extLst>
+              <a:ext uri="{FF2B5EF4-FFF2-40B4-BE49-F238E27FC236}">
+                <a16:creationId xmlns:a16="http://schemas.microsoft.com/office/drawing/2014/main" id="{C8119227-0D6E-9EA1-B81E-2F5239B8B81F}"/>
+              </a:ext>
+            </a:extLst>
+          </p:cNvPr>
+          <p:cNvSpPr txBox="1"/>
+          <p:nvPr/>
+        </p:nvSpPr>
+        <p:spPr>
+          <a:xfrm>
+            <a:off x="448829" y="-15876"/>
+            <a:ext cx="2761590" cy="553998"/>
+          </a:xfrm>
+          <a:prstGeom prst="rect">
+            <a:avLst/>
+          </a:prstGeom>
+          <a:noFill/>
+        </p:spPr>
+        <p:txBody>
+          <a:bodyPr wrap="none" rtlCol="0">
+            <a:spAutoFit/>
+          </a:bodyPr>
+          <a:lstStyle/>
+          <a:p>
+            <a:r>
+              <a:rPr lang="en-US" sz="3000" b="1" dirty="0"/>
+              <a:t>RESET password</a:t>
+            </a:r>
+          </a:p>
+        </p:txBody>
+      </p:sp>
+      <p:sp>
+        <p:nvSpPr>
+          <p:cNvPr id="2" name="Rectangle: Rounded Corners 1">
+            <a:extLst>
+              <a:ext uri="{FF2B5EF4-FFF2-40B4-BE49-F238E27FC236}">
+                <a16:creationId xmlns:a16="http://schemas.microsoft.com/office/drawing/2014/main" id="{AD2ABA7F-7542-A67E-9E0D-AAD1877DAD82}"/>
+              </a:ext>
+            </a:extLst>
+          </p:cNvPr>
+          <p:cNvSpPr/>
+          <p:nvPr/>
+        </p:nvSpPr>
+        <p:spPr>
+          <a:xfrm>
+            <a:off x="626177" y="691951"/>
+            <a:ext cx="2560320" cy="5577840"/>
+          </a:xfrm>
+          <a:prstGeom prst="roundRect">
+            <a:avLst>
+              <a:gd name="adj" fmla="val 4681"/>
+            </a:avLst>
+          </a:prstGeom>
+          <a:solidFill>
+            <a:schemeClr val="bg1"/>
+          </a:solidFill>
+          <a:ln>
+            <a:solidFill>
+              <a:schemeClr val="bg1"/>
+            </a:solidFill>
+          </a:ln>
+        </p:spPr>
+        <p:style>
+          <a:lnRef idx="2">
+            <a:schemeClr val="accent1">
+              <a:shade val="15000"/>
+            </a:schemeClr>
+          </a:lnRef>
+          <a:fillRef idx="1">
+            <a:schemeClr val="accent1"/>
+          </a:fillRef>
+          <a:effectRef idx="0">
+            <a:schemeClr val="accent1"/>
+          </a:effectRef>
+          <a:fontRef idx="minor">
+            <a:schemeClr val="lt1"/>
+          </a:fontRef>
+        </p:style>
+        <p:txBody>
+          <a:bodyPr rtlCol="0" anchor="ctr"/>
+          <a:lstStyle/>
+          <a:p>
+            <a:pPr algn="ctr"/>
+            <a:endParaRPr lang="en-US"/>
+          </a:p>
+        </p:txBody>
+      </p:sp>
+      <p:sp>
+        <p:nvSpPr>
+          <p:cNvPr id="3" name="TextBox 2">
+            <a:extLst>
+              <a:ext uri="{FF2B5EF4-FFF2-40B4-BE49-F238E27FC236}">
+                <a16:creationId xmlns:a16="http://schemas.microsoft.com/office/drawing/2014/main" id="{C88CDC70-769E-E905-6B62-0D6E79494D22}"/>
+              </a:ext>
+            </a:extLst>
+          </p:cNvPr>
+          <p:cNvSpPr txBox="1"/>
+          <p:nvPr/>
+        </p:nvSpPr>
+        <p:spPr>
+          <a:xfrm>
+            <a:off x="770291" y="2030931"/>
+            <a:ext cx="1967205" cy="369332"/>
+          </a:xfrm>
+          <a:prstGeom prst="rect">
+            <a:avLst/>
+          </a:prstGeom>
+          <a:noFill/>
+        </p:spPr>
+        <p:txBody>
+          <a:bodyPr wrap="none" rtlCol="0">
+            <a:spAutoFit/>
+          </a:bodyPr>
+          <a:lstStyle/>
+          <a:p>
+            <a:r>
+              <a:rPr lang="en-US" b="1" dirty="0">
+                <a:latin typeface="Arial" panose="020B0604020202020204" pitchFamily="34" charset="0"/>
+                <a:cs typeface="Arial" panose="020B0604020202020204" pitchFamily="34" charset="0"/>
+              </a:rPr>
+              <a:t>Reset Password</a:t>
+            </a:r>
+          </a:p>
+        </p:txBody>
+      </p:sp>
+      <p:sp>
+        <p:nvSpPr>
+          <p:cNvPr id="5" name="TextBox 4">
+            <a:extLst>
+              <a:ext uri="{FF2B5EF4-FFF2-40B4-BE49-F238E27FC236}">
+                <a16:creationId xmlns:a16="http://schemas.microsoft.com/office/drawing/2014/main" id="{08AA8133-80F8-A162-3B22-7FEA0A4E2A22}"/>
+              </a:ext>
+            </a:extLst>
+          </p:cNvPr>
+          <p:cNvSpPr txBox="1"/>
+          <p:nvPr/>
+        </p:nvSpPr>
+        <p:spPr>
+          <a:xfrm>
+            <a:off x="770291" y="2400263"/>
+            <a:ext cx="2385589" cy="400110"/>
+          </a:xfrm>
+          <a:prstGeom prst="rect">
+            <a:avLst/>
+          </a:prstGeom>
+          <a:noFill/>
+        </p:spPr>
+        <p:txBody>
+          <a:bodyPr wrap="none" rtlCol="0">
+            <a:spAutoFit/>
+          </a:bodyPr>
+          <a:lstStyle/>
+          <a:p>
+            <a:r>
+              <a:rPr lang="en-US" sz="1000" dirty="0">
+                <a:solidFill>
+                  <a:schemeClr val="bg2">
+                    <a:lumMod val="50000"/>
+                  </a:schemeClr>
+                </a:solidFill>
+                <a:latin typeface="Grotesque Light" panose="020B0304020202020204" pitchFamily="34" charset="0"/>
+              </a:rPr>
+              <a:t>Please enter old and new password to </a:t>
+            </a:r>
+          </a:p>
+          <a:p>
+            <a:r>
+              <a:rPr lang="en-US" sz="1000" dirty="0">
+                <a:solidFill>
+                  <a:schemeClr val="bg2">
+                    <a:lumMod val="50000"/>
+                  </a:schemeClr>
+                </a:solidFill>
+                <a:latin typeface="Grotesque Light" panose="020B0304020202020204" pitchFamily="34" charset="0"/>
+              </a:rPr>
+              <a:t>continue.</a:t>
+            </a:r>
+          </a:p>
+        </p:txBody>
+      </p:sp>
+      <p:pic>
+        <p:nvPicPr>
+          <p:cNvPr id="25" name="Picture 24" descr="Screens screenshot of a login screen&#10;&#10;Description automatically generated">
+            <a:extLst>
+              <a:ext uri="{FF2B5EF4-FFF2-40B4-BE49-F238E27FC236}">
+                <a16:creationId xmlns:a16="http://schemas.microsoft.com/office/drawing/2014/main" id="{82DC8FE8-A072-8466-DC95-BB9412D9880B}"/>
+              </a:ext>
+            </a:extLst>
+          </p:cNvPr>
+          <p:cNvPicPr>
+            <a:picLocks noChangeAspect="1"/>
+          </p:cNvPicPr>
+          <p:nvPr/>
+        </p:nvPicPr>
+        <p:blipFill rotWithShape="1">
+          <a:blip r:embed="rId2">
+            <a:extLst>
+              <a:ext uri="{28A0092B-C50C-407E-A947-70E740481C1C}">
+                <a14:useLocalDpi xmlns:a14="http://schemas.microsoft.com/office/drawing/2010/main" val="0"/>
+              </a:ext>
+            </a:extLst>
+          </a:blip>
+          <a:srcRect l="19018" t="64704" r="56294" b="27511"/>
+          <a:stretch/>
+        </p:blipFill>
+        <p:spPr>
+          <a:xfrm>
+            <a:off x="892914" y="4202123"/>
+            <a:ext cx="2257519" cy="533929"/>
+          </a:xfrm>
+          <a:prstGeom prst="rect">
+            <a:avLst/>
+          </a:prstGeom>
+        </p:spPr>
+      </p:pic>
+      <p:pic>
+        <p:nvPicPr>
+          <p:cNvPr id="26" name="Picture 25" descr="Screens screenshot of a login screen&#10;&#10;Description automatically generated">
+            <a:extLst>
+              <a:ext uri="{FF2B5EF4-FFF2-40B4-BE49-F238E27FC236}">
+                <a16:creationId xmlns:a16="http://schemas.microsoft.com/office/drawing/2014/main" id="{D799C6B0-FD85-3E70-636A-D18B6EE54048}"/>
+              </a:ext>
+            </a:extLst>
+          </p:cNvPr>
+          <p:cNvPicPr>
+            <a:picLocks noChangeAspect="1"/>
+          </p:cNvPicPr>
+          <p:nvPr/>
+        </p:nvPicPr>
+        <p:blipFill rotWithShape="1">
+          <a:blip r:embed="rId2">
+            <a:extLst>
+              <a:ext uri="{28A0092B-C50C-407E-A947-70E740481C1C}">
+                <a14:useLocalDpi xmlns:a14="http://schemas.microsoft.com/office/drawing/2010/main" val="0"/>
+              </a:ext>
+            </a:extLst>
+          </a:blip>
+          <a:srcRect l="19018" t="88199" r="56294" b="6103"/>
+          <a:stretch/>
+        </p:blipFill>
+        <p:spPr>
+          <a:xfrm>
+            <a:off x="748803" y="5751210"/>
+            <a:ext cx="2257519" cy="390742"/>
+          </a:xfrm>
+          <a:prstGeom prst="rect">
+            <a:avLst/>
+          </a:prstGeom>
+        </p:spPr>
+      </p:pic>
+      <p:sp>
+        <p:nvSpPr>
+          <p:cNvPr id="27" name="TextBox 26">
+            <a:extLst>
+              <a:ext uri="{FF2B5EF4-FFF2-40B4-BE49-F238E27FC236}">
+                <a16:creationId xmlns:a16="http://schemas.microsoft.com/office/drawing/2014/main" id="{4F3E8F02-894C-0E26-C6B1-8443323242C2}"/>
+              </a:ext>
+            </a:extLst>
+          </p:cNvPr>
+          <p:cNvSpPr txBox="1"/>
+          <p:nvPr/>
+        </p:nvSpPr>
+        <p:spPr>
+          <a:xfrm>
+            <a:off x="2021673" y="4330587"/>
+            <a:ext cx="625492" cy="276999"/>
+          </a:xfrm>
+          <a:prstGeom prst="rect">
+            <a:avLst/>
+          </a:prstGeom>
+          <a:noFill/>
+        </p:spPr>
+        <p:txBody>
+          <a:bodyPr wrap="none" rtlCol="0">
+            <a:spAutoFit/>
+          </a:bodyPr>
+          <a:lstStyle/>
+          <a:p>
+            <a:r>
+              <a:rPr lang="en-US" sz="1200" dirty="0"/>
+              <a:t>Submit</a:t>
+            </a:r>
+          </a:p>
+        </p:txBody>
+      </p:sp>
+      <p:cxnSp>
+        <p:nvCxnSpPr>
+          <p:cNvPr id="4" name="Straight Connector 3">
+            <a:extLst>
+              <a:ext uri="{FF2B5EF4-FFF2-40B4-BE49-F238E27FC236}">
+                <a16:creationId xmlns:a16="http://schemas.microsoft.com/office/drawing/2014/main" id="{0C276231-E116-BCEA-8744-BFBCB0B0C71B}"/>
+              </a:ext>
+            </a:extLst>
+          </p:cNvPr>
+          <p:cNvCxnSpPr>
+            <a:cxnSpLocks/>
+          </p:cNvCxnSpPr>
+          <p:nvPr/>
+        </p:nvCxnSpPr>
+        <p:spPr>
+          <a:xfrm>
+            <a:off x="1003727" y="3144508"/>
+            <a:ext cx="1853398" cy="0"/>
+          </a:xfrm>
+          <a:prstGeom prst="line">
+            <a:avLst/>
+          </a:prstGeom>
+          <a:ln w="15875">
+            <a:solidFill>
+              <a:schemeClr val="bg1">
+                <a:lumMod val="75000"/>
+              </a:schemeClr>
+            </a:solidFill>
+          </a:ln>
+        </p:spPr>
+        <p:style>
+          <a:lnRef idx="1">
+            <a:schemeClr val="accent1"/>
+          </a:lnRef>
+          <a:fillRef idx="0">
+            <a:schemeClr val="accent1"/>
+          </a:fillRef>
+          <a:effectRef idx="0">
+            <a:schemeClr val="accent1"/>
+          </a:effectRef>
+          <a:fontRef idx="minor">
+            <a:schemeClr val="tx1"/>
+          </a:fontRef>
+        </p:style>
+      </p:cxnSp>
+      <p:sp>
+        <p:nvSpPr>
+          <p:cNvPr id="6" name="TextBox 5">
+            <a:extLst>
+              <a:ext uri="{FF2B5EF4-FFF2-40B4-BE49-F238E27FC236}">
+                <a16:creationId xmlns:a16="http://schemas.microsoft.com/office/drawing/2014/main" id="{643721E7-34B1-1D5B-FDDB-75E0317D348D}"/>
+              </a:ext>
+            </a:extLst>
+          </p:cNvPr>
+          <p:cNvSpPr txBox="1"/>
+          <p:nvPr/>
+        </p:nvSpPr>
+        <p:spPr>
+          <a:xfrm>
+            <a:off x="934294" y="2858719"/>
+            <a:ext cx="1031436" cy="276999"/>
+          </a:xfrm>
+          <a:prstGeom prst="rect">
+            <a:avLst/>
+          </a:prstGeom>
+          <a:noFill/>
+        </p:spPr>
+        <p:txBody>
+          <a:bodyPr wrap="none" rtlCol="0">
+            <a:spAutoFit/>
+          </a:bodyPr>
+          <a:lstStyle/>
+          <a:p>
+            <a:r>
+              <a:rPr lang="en-US" sz="1200" dirty="0">
+                <a:solidFill>
+                  <a:schemeClr val="bg1">
+                    <a:lumMod val="65000"/>
+                  </a:schemeClr>
+                </a:solidFill>
+              </a:rPr>
+              <a:t>Old Password</a:t>
+            </a:r>
+          </a:p>
+        </p:txBody>
+      </p:sp>
+      <p:pic>
+        <p:nvPicPr>
+          <p:cNvPr id="8" name="Picture 7" descr="A black padlock on a black background&#10;&#10;Description automatically generated">
+            <a:extLst>
+              <a:ext uri="{FF2B5EF4-FFF2-40B4-BE49-F238E27FC236}">
+                <a16:creationId xmlns:a16="http://schemas.microsoft.com/office/drawing/2014/main" id="{63E1969B-CABE-7634-1D9A-13B2F6ED5295}"/>
+              </a:ext>
+            </a:extLst>
+          </p:cNvPr>
+          <p:cNvPicPr>
+            <a:picLocks noChangeAspect="1"/>
+          </p:cNvPicPr>
+          <p:nvPr/>
+        </p:nvPicPr>
+        <p:blipFill>
+          <a:blip r:embed="rId3">
+            <a:extLst>
+              <a:ext uri="{28A0092B-C50C-407E-A947-70E740481C1C}">
+                <a14:useLocalDpi xmlns:a14="http://schemas.microsoft.com/office/drawing/2010/main" val="0"/>
+              </a:ext>
+            </a:extLst>
+          </a:blip>
+          <a:stretch>
+            <a:fillRect/>
+          </a:stretch>
+        </p:blipFill>
+        <p:spPr>
+          <a:xfrm>
+            <a:off x="797134" y="2934373"/>
+            <a:ext cx="182880" cy="182880"/>
+          </a:xfrm>
+          <a:prstGeom prst="rect">
+            <a:avLst/>
+          </a:prstGeom>
+        </p:spPr>
+      </p:pic>
+      <p:cxnSp>
+        <p:nvCxnSpPr>
+          <p:cNvPr id="9" name="Straight Connector 8">
+            <a:extLst>
+              <a:ext uri="{FF2B5EF4-FFF2-40B4-BE49-F238E27FC236}">
+                <a16:creationId xmlns:a16="http://schemas.microsoft.com/office/drawing/2014/main" id="{7DDBD350-EFDF-727F-43AA-AE3729231DE4}"/>
+              </a:ext>
+            </a:extLst>
+          </p:cNvPr>
+          <p:cNvCxnSpPr>
+            <a:cxnSpLocks/>
+          </p:cNvCxnSpPr>
+          <p:nvPr/>
+        </p:nvCxnSpPr>
+        <p:spPr>
+          <a:xfrm>
+            <a:off x="997473" y="3580078"/>
+            <a:ext cx="1853398" cy="0"/>
+          </a:xfrm>
+          <a:prstGeom prst="line">
+            <a:avLst/>
+          </a:prstGeom>
+          <a:ln w="15875">
+            <a:solidFill>
+              <a:schemeClr val="bg1">
+                <a:lumMod val="75000"/>
+              </a:schemeClr>
+            </a:solidFill>
+          </a:ln>
+        </p:spPr>
+        <p:style>
+          <a:lnRef idx="1">
+            <a:schemeClr val="accent1"/>
+          </a:lnRef>
+          <a:fillRef idx="0">
+            <a:schemeClr val="accent1"/>
+          </a:fillRef>
+          <a:effectRef idx="0">
+            <a:schemeClr val="accent1"/>
+          </a:effectRef>
+          <a:fontRef idx="minor">
+            <a:schemeClr val="tx1"/>
+          </a:fontRef>
+        </p:style>
+      </p:cxnSp>
+      <p:sp>
+        <p:nvSpPr>
+          <p:cNvPr id="10" name="TextBox 9">
+            <a:extLst>
+              <a:ext uri="{FF2B5EF4-FFF2-40B4-BE49-F238E27FC236}">
+                <a16:creationId xmlns:a16="http://schemas.microsoft.com/office/drawing/2014/main" id="{1DCD7E31-3781-F91F-F7D5-C01E1F7C1B3A}"/>
+              </a:ext>
+            </a:extLst>
+          </p:cNvPr>
+          <p:cNvSpPr txBox="1"/>
+          <p:nvPr/>
+        </p:nvSpPr>
+        <p:spPr>
+          <a:xfrm>
+            <a:off x="928040" y="3294289"/>
+            <a:ext cx="1099596" cy="276999"/>
+          </a:xfrm>
+          <a:prstGeom prst="rect">
+            <a:avLst/>
+          </a:prstGeom>
+          <a:noFill/>
+        </p:spPr>
+        <p:txBody>
+          <a:bodyPr wrap="none" rtlCol="0">
+            <a:spAutoFit/>
+          </a:bodyPr>
+          <a:lstStyle/>
+          <a:p>
+            <a:r>
+              <a:rPr lang="en-US" sz="1200" dirty="0">
+                <a:solidFill>
+                  <a:schemeClr val="bg1">
+                    <a:lumMod val="65000"/>
+                  </a:schemeClr>
+                </a:solidFill>
+              </a:rPr>
+              <a:t>New Password</a:t>
+            </a:r>
+          </a:p>
+        </p:txBody>
+      </p:sp>
+      <p:pic>
+        <p:nvPicPr>
+          <p:cNvPr id="11" name="Picture 10" descr="A black padlock on a black background&#10;&#10;Description automatically generated">
+            <a:extLst>
+              <a:ext uri="{FF2B5EF4-FFF2-40B4-BE49-F238E27FC236}">
+                <a16:creationId xmlns:a16="http://schemas.microsoft.com/office/drawing/2014/main" id="{EC1B4EA8-03CA-5A03-2E9D-CC29671FC341}"/>
+              </a:ext>
+            </a:extLst>
+          </p:cNvPr>
+          <p:cNvPicPr>
+            <a:picLocks noChangeAspect="1"/>
+          </p:cNvPicPr>
+          <p:nvPr/>
+        </p:nvPicPr>
+        <p:blipFill>
+          <a:blip r:embed="rId3">
+            <a:extLst>
+              <a:ext uri="{28A0092B-C50C-407E-A947-70E740481C1C}">
+                <a14:useLocalDpi xmlns:a14="http://schemas.microsoft.com/office/drawing/2010/main" val="0"/>
+              </a:ext>
+            </a:extLst>
+          </a:blip>
+          <a:stretch>
+            <a:fillRect/>
+          </a:stretch>
+        </p:blipFill>
+        <p:spPr>
+          <a:xfrm>
+            <a:off x="790880" y="3369943"/>
+            <a:ext cx="182880" cy="182880"/>
+          </a:xfrm>
+          <a:prstGeom prst="rect">
+            <a:avLst/>
+          </a:prstGeom>
+        </p:spPr>
+      </p:pic>
+      <p:cxnSp>
+        <p:nvCxnSpPr>
+          <p:cNvPr id="12" name="Straight Connector 11">
+            <a:extLst>
+              <a:ext uri="{FF2B5EF4-FFF2-40B4-BE49-F238E27FC236}">
+                <a16:creationId xmlns:a16="http://schemas.microsoft.com/office/drawing/2014/main" id="{05B9BB65-C39D-1B45-35B2-E23C8B2FD488}"/>
+              </a:ext>
+            </a:extLst>
+          </p:cNvPr>
+          <p:cNvCxnSpPr>
+            <a:cxnSpLocks/>
+          </p:cNvCxnSpPr>
+          <p:nvPr/>
+        </p:nvCxnSpPr>
+        <p:spPr>
+          <a:xfrm>
+            <a:off x="1008067" y="4006857"/>
+            <a:ext cx="1853398" cy="0"/>
+          </a:xfrm>
+          <a:prstGeom prst="line">
+            <a:avLst/>
+          </a:prstGeom>
+          <a:ln w="15875">
+            <a:solidFill>
+              <a:schemeClr val="bg1">
+                <a:lumMod val="75000"/>
+              </a:schemeClr>
+            </a:solidFill>
+          </a:ln>
+        </p:spPr>
+        <p:style>
+          <a:lnRef idx="1">
+            <a:schemeClr val="accent1"/>
+          </a:lnRef>
+          <a:fillRef idx="0">
+            <a:schemeClr val="accent1"/>
+          </a:fillRef>
+          <a:effectRef idx="0">
+            <a:schemeClr val="accent1"/>
+          </a:effectRef>
+          <a:fontRef idx="minor">
+            <a:schemeClr val="tx1"/>
+          </a:fontRef>
+        </p:style>
+      </p:cxnSp>
+      <p:sp>
+        <p:nvSpPr>
+          <p:cNvPr id="13" name="TextBox 12">
+            <a:extLst>
+              <a:ext uri="{FF2B5EF4-FFF2-40B4-BE49-F238E27FC236}">
+                <a16:creationId xmlns:a16="http://schemas.microsoft.com/office/drawing/2014/main" id="{045EA240-F919-30BA-30B2-D97C06A739B6}"/>
+              </a:ext>
+            </a:extLst>
+          </p:cNvPr>
+          <p:cNvSpPr txBox="1"/>
+          <p:nvPr/>
+        </p:nvSpPr>
+        <p:spPr>
+          <a:xfrm>
+            <a:off x="938634" y="3721068"/>
+            <a:ext cx="1635704" cy="276999"/>
+          </a:xfrm>
+          <a:prstGeom prst="rect">
+            <a:avLst/>
+          </a:prstGeom>
+          <a:noFill/>
+        </p:spPr>
+        <p:txBody>
+          <a:bodyPr wrap="none" rtlCol="0">
+            <a:spAutoFit/>
+          </a:bodyPr>
+          <a:lstStyle/>
+          <a:p>
+            <a:r>
+              <a:rPr lang="en-US" sz="1200" dirty="0">
+                <a:solidFill>
+                  <a:schemeClr val="bg1">
+                    <a:lumMod val="65000"/>
+                  </a:schemeClr>
+                </a:solidFill>
+              </a:rPr>
+              <a:t>Confirm New Password</a:t>
+            </a:r>
+          </a:p>
+        </p:txBody>
+      </p:sp>
+      <p:pic>
+        <p:nvPicPr>
+          <p:cNvPr id="14" name="Picture 13" descr="A black padlock on a black background&#10;&#10;Description automatically generated">
+            <a:extLst>
+              <a:ext uri="{FF2B5EF4-FFF2-40B4-BE49-F238E27FC236}">
+                <a16:creationId xmlns:a16="http://schemas.microsoft.com/office/drawing/2014/main" id="{4E607623-6D03-1E54-B008-C66859052B5F}"/>
+              </a:ext>
+            </a:extLst>
+          </p:cNvPr>
+          <p:cNvPicPr>
+            <a:picLocks noChangeAspect="1"/>
+          </p:cNvPicPr>
+          <p:nvPr/>
+        </p:nvPicPr>
+        <p:blipFill>
+          <a:blip r:embed="rId3">
+            <a:extLst>
+              <a:ext uri="{28A0092B-C50C-407E-A947-70E740481C1C}">
+                <a14:useLocalDpi xmlns:a14="http://schemas.microsoft.com/office/drawing/2010/main" val="0"/>
+              </a:ext>
+            </a:extLst>
+          </a:blip>
+          <a:stretch>
+            <a:fillRect/>
+          </a:stretch>
+        </p:blipFill>
+        <p:spPr>
+          <a:xfrm>
+            <a:off x="801474" y="3796722"/>
+            <a:ext cx="182880" cy="182880"/>
+          </a:xfrm>
+          <a:prstGeom prst="rect">
+            <a:avLst/>
+          </a:prstGeom>
+        </p:spPr>
+      </p:pic>
+    </p:spTree>
+    <p:extLst>
+      <p:ext uri="{BB962C8B-B14F-4D97-AF65-F5344CB8AC3E}">
+        <p14:creationId xmlns:p14="http://schemas.microsoft.com/office/powerpoint/2010/main" val="45387616"/>
+      </p:ext>
+    </p:extLst>
+  </p:cSld>
+  <p:clrMapOvr>
+    <a:masterClrMapping/>
+  </p:clrMapOvr>
+</p:sld>
+</file>
+
+<file path=ppt/slides/slide8.xml><?xml version="1.0" encoding="utf-8"?>
+<p:sld xmlns:a="http://schemas.openxmlformats.org/drawingml/2006/main" xmlns:r="http://schemas.openxmlformats.org/officeDocument/2006/relationships" xmlns:p="http://schemas.openxmlformats.org/presentationml/2006/main">
+  <p:cSld>
+    <p:spTree>
+      <p:nvGrpSpPr>
+        <p:cNvPr id="1" name=""/>
+        <p:cNvGrpSpPr/>
+        <p:nvPr/>
+      </p:nvGrpSpPr>
+      <p:grpSpPr>
+        <a:xfrm>
+          <a:off x="0" y="0"/>
+          <a:ext cx="0" cy="0"/>
+          <a:chOff x="0" y="0"/>
+          <a:chExt cx="0" cy="0"/>
+        </a:xfrm>
+      </p:grpSpPr>
+      <p:sp>
+        <p:nvSpPr>
+          <p:cNvPr id="71" name="TextBox 70">
+            <a:extLst>
+              <a:ext uri="{FF2B5EF4-FFF2-40B4-BE49-F238E27FC236}">
+                <a16:creationId xmlns:a16="http://schemas.microsoft.com/office/drawing/2014/main" id="{C8119227-0D6E-9EA1-B81E-2F5239B8B81F}"/>
+              </a:ext>
+            </a:extLst>
+          </p:cNvPr>
+          <p:cNvSpPr txBox="1"/>
+          <p:nvPr/>
+        </p:nvSpPr>
+        <p:spPr>
+          <a:xfrm>
+            <a:off x="448829" y="-15876"/>
+            <a:ext cx="723788" cy="553998"/>
+          </a:xfrm>
+          <a:prstGeom prst="rect">
+            <a:avLst/>
+          </a:prstGeom>
+          <a:noFill/>
+        </p:spPr>
+        <p:txBody>
+          <a:bodyPr wrap="none" rtlCol="0">
+            <a:spAutoFit/>
+          </a:bodyPr>
+          <a:lstStyle/>
+          <a:p>
+            <a:r>
+              <a:rPr lang="en-US" sz="3000" b="1" dirty="0"/>
+              <a:t>List</a:t>
+            </a:r>
+          </a:p>
+        </p:txBody>
+      </p:sp>
+      <p:sp>
+        <p:nvSpPr>
+          <p:cNvPr id="2" name="Rectangle: Rounded Corners 1">
+            <a:extLst>
+              <a:ext uri="{FF2B5EF4-FFF2-40B4-BE49-F238E27FC236}">
+                <a16:creationId xmlns:a16="http://schemas.microsoft.com/office/drawing/2014/main" id="{AD2ABA7F-7542-A67E-9E0D-AAD1877DAD82}"/>
+              </a:ext>
+            </a:extLst>
+          </p:cNvPr>
+          <p:cNvSpPr/>
+          <p:nvPr/>
+        </p:nvSpPr>
+        <p:spPr>
+          <a:xfrm>
+            <a:off x="284480" y="691950"/>
+            <a:ext cx="2902017" cy="5820609"/>
+          </a:xfrm>
+          <a:prstGeom prst="roundRect">
+            <a:avLst>
+              <a:gd name="adj" fmla="val 4681"/>
+            </a:avLst>
+          </a:prstGeom>
+          <a:solidFill>
+            <a:schemeClr val="bg1"/>
+          </a:solidFill>
+          <a:ln>
+            <a:solidFill>
+              <a:schemeClr val="bg1"/>
+            </a:solidFill>
+          </a:ln>
+        </p:spPr>
+        <p:style>
+          <a:lnRef idx="2">
+            <a:schemeClr val="accent1">
+              <a:shade val="15000"/>
+            </a:schemeClr>
+          </a:lnRef>
+          <a:fillRef idx="1">
+            <a:schemeClr val="accent1"/>
+          </a:fillRef>
+          <a:effectRef idx="0">
+            <a:schemeClr val="accent1"/>
+          </a:effectRef>
+          <a:fontRef idx="minor">
+            <a:schemeClr val="lt1"/>
+          </a:fontRef>
+        </p:style>
+        <p:txBody>
+          <a:bodyPr rtlCol="0" anchor="ctr"/>
+          <a:lstStyle/>
+          <a:p>
+            <a:pPr algn="ctr"/>
+            <a:endParaRPr lang="en-US" dirty="0"/>
+          </a:p>
+        </p:txBody>
+      </p:sp>
+      <p:pic>
+        <p:nvPicPr>
+          <p:cNvPr id="17" name="Picture 16">
+            <a:extLst>
+              <a:ext uri="{FF2B5EF4-FFF2-40B4-BE49-F238E27FC236}">
+                <a16:creationId xmlns:a16="http://schemas.microsoft.com/office/drawing/2014/main" id="{6C8AE2A9-AF32-E847-A878-2D9525B6A1D8}"/>
+              </a:ext>
+            </a:extLst>
+          </p:cNvPr>
+          <p:cNvPicPr>
+            <a:picLocks noChangeAspect="1"/>
+          </p:cNvPicPr>
+          <p:nvPr/>
+        </p:nvPicPr>
+        <p:blipFill>
+          <a:blip r:embed="rId2"/>
+          <a:stretch>
+            <a:fillRect/>
+          </a:stretch>
+        </p:blipFill>
+        <p:spPr>
+          <a:xfrm>
+            <a:off x="357572" y="1066283"/>
+            <a:ext cx="2828925" cy="4829175"/>
+          </a:xfrm>
+          <a:prstGeom prst="rect">
+            <a:avLst/>
+          </a:prstGeom>
+        </p:spPr>
+      </p:pic>
+      <p:sp>
+        <p:nvSpPr>
+          <p:cNvPr id="18" name="Rectangle: Rounded Corners 17">
+            <a:extLst>
+              <a:ext uri="{FF2B5EF4-FFF2-40B4-BE49-F238E27FC236}">
+                <a16:creationId xmlns:a16="http://schemas.microsoft.com/office/drawing/2014/main" id="{5E7BCC61-346A-04E1-E935-5E0570C474E2}"/>
+              </a:ext>
+            </a:extLst>
+          </p:cNvPr>
+          <p:cNvSpPr/>
+          <p:nvPr/>
+        </p:nvSpPr>
+        <p:spPr>
+          <a:xfrm>
+            <a:off x="284480" y="6028101"/>
+            <a:ext cx="2902017" cy="517615"/>
+          </a:xfrm>
+          <a:prstGeom prst="roundRect">
+            <a:avLst>
+              <a:gd name="adj" fmla="val 9997"/>
+            </a:avLst>
+          </a:prstGeom>
+          <a:solidFill>
+            <a:schemeClr val="accent2"/>
+          </a:solidFill>
+          <a:ln>
+            <a:solidFill>
+              <a:schemeClr val="bg1"/>
+            </a:solidFill>
+          </a:ln>
+        </p:spPr>
+        <p:style>
+          <a:lnRef idx="2">
+            <a:schemeClr val="accent1">
+              <a:shade val="15000"/>
+            </a:schemeClr>
+          </a:lnRef>
+          <a:fillRef idx="1">
+            <a:schemeClr val="accent1"/>
+          </a:fillRef>
+          <a:effectRef idx="0">
+            <a:schemeClr val="accent1"/>
+          </a:effectRef>
+          <a:fontRef idx="minor">
+            <a:schemeClr val="lt1"/>
+          </a:fontRef>
+        </p:style>
+        <p:txBody>
+          <a:bodyPr rtlCol="0" anchor="ctr"/>
+          <a:lstStyle/>
+          <a:p>
+            <a:pPr algn="ctr"/>
+            <a:endParaRPr lang="en-US"/>
+          </a:p>
+        </p:txBody>
+      </p:sp>
+      <p:pic>
+        <p:nvPicPr>
+          <p:cNvPr id="20" name="Graphic 19">
+            <a:extLst>
+              <a:ext uri="{FF2B5EF4-FFF2-40B4-BE49-F238E27FC236}">
+                <a16:creationId xmlns:a16="http://schemas.microsoft.com/office/drawing/2014/main" id="{7C2EDC52-50FE-B26E-F1F0-0B46BA86D6DF}"/>
+              </a:ext>
+            </a:extLst>
+          </p:cNvPr>
+          <p:cNvPicPr>
+            <a:picLocks noChangeAspect="1"/>
+          </p:cNvPicPr>
+          <p:nvPr/>
+        </p:nvPicPr>
+        <p:blipFill>
+          <a:blip r:embed="rId3">
+            <a:extLst>
+              <a:ext uri="{28A0092B-C50C-407E-A947-70E740481C1C}">
+                <a14:useLocalDpi xmlns:a14="http://schemas.microsoft.com/office/drawing/2010/main" val="0"/>
+              </a:ext>
+              <a:ext uri="{96DAC541-7B7A-43D3-8B79-37D633B846F1}">
+                <asvg:svgBlip xmlns:asvg="http://schemas.microsoft.com/office/drawing/2016/SVG/main" r:embed="rId4"/>
+              </a:ext>
+            </a:extLst>
+          </a:blip>
+          <a:stretch>
+            <a:fillRect/>
+          </a:stretch>
+        </p:blipFill>
+        <p:spPr>
+          <a:xfrm>
+            <a:off x="402657" y="6093731"/>
+            <a:ext cx="320040" cy="320040"/>
+          </a:xfrm>
+          <a:prstGeom prst="rect">
+            <a:avLst/>
+          </a:prstGeom>
+        </p:spPr>
+      </p:pic>
+      <p:pic>
+        <p:nvPicPr>
+          <p:cNvPr id="22" name="Graphic 21">
+            <a:extLst>
+              <a:ext uri="{FF2B5EF4-FFF2-40B4-BE49-F238E27FC236}">
+                <a16:creationId xmlns:a16="http://schemas.microsoft.com/office/drawing/2014/main" id="{78F2C83A-D61F-0374-06E4-57C51F3F2DF7}"/>
+              </a:ext>
+            </a:extLst>
+          </p:cNvPr>
+          <p:cNvPicPr>
+            <a:picLocks noChangeAspect="1"/>
+          </p:cNvPicPr>
+          <p:nvPr/>
+        </p:nvPicPr>
+        <p:blipFill>
+          <a:blip r:embed="rId5">
+            <a:extLst>
+              <a:ext uri="{28A0092B-C50C-407E-A947-70E740481C1C}">
+                <a14:useLocalDpi xmlns:a14="http://schemas.microsoft.com/office/drawing/2010/main" val="0"/>
+              </a:ext>
+              <a:ext uri="{96DAC541-7B7A-43D3-8B79-37D633B846F1}">
+                <asvg:svgBlip xmlns:asvg="http://schemas.microsoft.com/office/drawing/2016/SVG/main" r:embed="rId6"/>
+              </a:ext>
+            </a:extLst>
+          </a:blip>
+          <a:stretch>
+            <a:fillRect/>
+          </a:stretch>
+        </p:blipFill>
+        <p:spPr>
+          <a:xfrm>
+            <a:off x="1566911" y="6148411"/>
+            <a:ext cx="320040" cy="320040"/>
+          </a:xfrm>
+          <a:prstGeom prst="rect">
+            <a:avLst/>
+          </a:prstGeom>
+        </p:spPr>
+      </p:pic>
+      <p:pic>
+        <p:nvPicPr>
+          <p:cNvPr id="24" name="Graphic 23">
+            <a:extLst>
+              <a:ext uri="{FF2B5EF4-FFF2-40B4-BE49-F238E27FC236}">
+                <a16:creationId xmlns:a16="http://schemas.microsoft.com/office/drawing/2014/main" id="{C89BA3CF-DB32-8DF5-AE0A-A6729C61E851}"/>
+              </a:ext>
+            </a:extLst>
+          </p:cNvPr>
+          <p:cNvPicPr>
+            <a:picLocks noChangeAspect="1"/>
+          </p:cNvPicPr>
+          <p:nvPr/>
+        </p:nvPicPr>
+        <p:blipFill>
+          <a:blip r:embed="rId7">
+            <a:extLst>
+              <a:ext uri="{28A0092B-C50C-407E-A947-70E740481C1C}">
+                <a14:useLocalDpi xmlns:a14="http://schemas.microsoft.com/office/drawing/2010/main" val="0"/>
+              </a:ext>
+              <a:ext uri="{96DAC541-7B7A-43D3-8B79-37D633B846F1}">
+                <asvg:svgBlip xmlns:asvg="http://schemas.microsoft.com/office/drawing/2016/SVG/main" r:embed="rId8"/>
+              </a:ext>
+            </a:extLst>
+          </a:blip>
+          <a:stretch>
+            <a:fillRect/>
+          </a:stretch>
+        </p:blipFill>
+        <p:spPr>
+          <a:xfrm>
+            <a:off x="2731166" y="6093731"/>
+            <a:ext cx="320040" cy="320040"/>
+          </a:xfrm>
+          <a:prstGeom prst="rect">
+            <a:avLst/>
+          </a:prstGeom>
+        </p:spPr>
+      </p:pic>
+      <p:cxnSp>
+        <p:nvCxnSpPr>
+          <p:cNvPr id="33" name="Straight Arrow Connector 32">
+            <a:extLst>
+              <a:ext uri="{FF2B5EF4-FFF2-40B4-BE49-F238E27FC236}">
+                <a16:creationId xmlns:a16="http://schemas.microsoft.com/office/drawing/2014/main" id="{AB758617-0184-FBF2-C3D9-4BE4DCB43684}"/>
+              </a:ext>
+            </a:extLst>
+          </p:cNvPr>
+          <p:cNvCxnSpPr/>
+          <p:nvPr/>
+        </p:nvCxnSpPr>
+        <p:spPr>
+          <a:xfrm flipH="1">
+            <a:off x="448829" y="956733"/>
+            <a:ext cx="309390" cy="0"/>
+          </a:xfrm>
+          <a:prstGeom prst="straightConnector1">
+            <a:avLst/>
+          </a:prstGeom>
+          <a:ln>
+            <a:tailEnd type="triangle"/>
+          </a:ln>
+        </p:spPr>
+        <p:style>
+          <a:lnRef idx="1">
+            <a:schemeClr val="accent1"/>
+          </a:lnRef>
+          <a:fillRef idx="0">
+            <a:schemeClr val="accent1"/>
+          </a:fillRef>
+          <a:effectRef idx="0">
+            <a:schemeClr val="accent1"/>
+          </a:effectRef>
+          <a:fontRef idx="minor">
+            <a:schemeClr val="tx1"/>
+          </a:fontRef>
+        </p:style>
+      </p:cxnSp>
+      <p:sp>
+        <p:nvSpPr>
+          <p:cNvPr id="34" name="TextBox 33">
+            <a:extLst>
+              <a:ext uri="{FF2B5EF4-FFF2-40B4-BE49-F238E27FC236}">
+                <a16:creationId xmlns:a16="http://schemas.microsoft.com/office/drawing/2014/main" id="{466A255A-DA38-2A1B-09B7-4BE5765D4D32}"/>
+              </a:ext>
+            </a:extLst>
+          </p:cNvPr>
+          <p:cNvSpPr txBox="1"/>
+          <p:nvPr/>
+        </p:nvSpPr>
+        <p:spPr>
+          <a:xfrm>
+            <a:off x="810723" y="802844"/>
+            <a:ext cx="1350050" cy="307777"/>
+          </a:xfrm>
+          <a:prstGeom prst="rect">
+            <a:avLst/>
+          </a:prstGeom>
+          <a:noFill/>
+        </p:spPr>
+        <p:txBody>
+          <a:bodyPr wrap="none" rtlCol="0">
+            <a:spAutoFit/>
+          </a:bodyPr>
+          <a:lstStyle/>
+          <a:p>
+            <a:r>
+              <a:rPr lang="en-US" sz="1400" b="1" dirty="0">
+                <a:latin typeface="Arial" panose="020B0604020202020204" pitchFamily="34" charset="0"/>
+                <a:cs typeface="Arial" panose="020B0604020202020204" pitchFamily="34" charset="0"/>
+              </a:rPr>
+              <a:t>Bike Services</a:t>
+            </a:r>
+          </a:p>
+        </p:txBody>
+      </p:sp>
+      <p:sp>
+        <p:nvSpPr>
+          <p:cNvPr id="35" name="Rectangle: Rounded Corners 34">
+            <a:extLst>
+              <a:ext uri="{FF2B5EF4-FFF2-40B4-BE49-F238E27FC236}">
+                <a16:creationId xmlns:a16="http://schemas.microsoft.com/office/drawing/2014/main" id="{2D734C03-E4DC-FA29-34BD-94E45E8E7F25}"/>
+              </a:ext>
+            </a:extLst>
+          </p:cNvPr>
+          <p:cNvSpPr/>
+          <p:nvPr/>
+        </p:nvSpPr>
+        <p:spPr>
+          <a:xfrm>
+            <a:off x="4395836" y="736288"/>
+            <a:ext cx="2902017" cy="5820609"/>
+          </a:xfrm>
+          <a:prstGeom prst="roundRect">
+            <a:avLst>
+              <a:gd name="adj" fmla="val 4681"/>
+            </a:avLst>
+          </a:prstGeom>
+          <a:solidFill>
+            <a:schemeClr val="bg1"/>
+          </a:solidFill>
+          <a:ln>
+            <a:solidFill>
+              <a:schemeClr val="bg1"/>
+            </a:solidFill>
+          </a:ln>
+        </p:spPr>
+        <p:style>
+          <a:lnRef idx="2">
+            <a:schemeClr val="accent1">
+              <a:shade val="15000"/>
+            </a:schemeClr>
+          </a:lnRef>
+          <a:fillRef idx="1">
+            <a:schemeClr val="accent1"/>
+          </a:fillRef>
+          <a:effectRef idx="0">
+            <a:schemeClr val="accent1"/>
+          </a:effectRef>
+          <a:fontRef idx="minor">
+            <a:schemeClr val="lt1"/>
+          </a:fontRef>
+        </p:style>
+        <p:txBody>
+          <a:bodyPr rtlCol="0" anchor="ctr"/>
+          <a:lstStyle/>
+          <a:p>
+            <a:pPr algn="ctr"/>
+            <a:endParaRPr lang="en-US" dirty="0"/>
+          </a:p>
+        </p:txBody>
+      </p:sp>
+      <p:pic>
+        <p:nvPicPr>
+          <p:cNvPr id="44" name="Picture 43">
+            <a:extLst>
+              <a:ext uri="{FF2B5EF4-FFF2-40B4-BE49-F238E27FC236}">
+                <a16:creationId xmlns:a16="http://schemas.microsoft.com/office/drawing/2014/main" id="{8132619F-25AA-9C69-4E4C-F3EAFF31EFF4}"/>
+              </a:ext>
+            </a:extLst>
+          </p:cNvPr>
+          <p:cNvPicPr>
+            <a:picLocks noChangeAspect="1"/>
+          </p:cNvPicPr>
+          <p:nvPr/>
+        </p:nvPicPr>
+        <p:blipFill>
+          <a:blip r:embed="rId9"/>
+          <a:stretch>
+            <a:fillRect/>
+          </a:stretch>
+        </p:blipFill>
+        <p:spPr>
+          <a:xfrm>
+            <a:off x="4500624" y="879467"/>
+            <a:ext cx="2692439" cy="5588984"/>
+          </a:xfrm>
+          <a:prstGeom prst="rect">
+            <a:avLst/>
+          </a:prstGeom>
+        </p:spPr>
+      </p:pic>
+    </p:spTree>
+    <p:extLst>
+      <p:ext uri="{BB962C8B-B14F-4D97-AF65-F5344CB8AC3E}">
+        <p14:creationId xmlns:p14="http://schemas.microsoft.com/office/powerpoint/2010/main" val="1993060127"/>
+      </p:ext>
+    </p:extLst>
+  </p:cSld>
+  <p:clrMapOvr>
+    <a:masterClrMapping/>
+  </p:clrMapOvr>
+</p:sld>
+</file>
+
+<file path=ppt/slides/slide9.xml><?xml version="1.0" encoding="utf-8"?>
 <p:sld xmlns:a="http://schemas.openxmlformats.org/drawingml/2006/main" xmlns:r="http://schemas.openxmlformats.org/officeDocument/2006/relationships" xmlns:p="http://schemas.openxmlformats.org/presentationml/2006/main">
   <p:cSld>
     <p:spTree>

--- a/src/main/resources/screens/screens.pptx
+++ b/src/main/resources/screens/screens.pptx
@@ -12873,8 +12873,8 @@
         </p:nvSpPr>
         <p:spPr>
           <a:xfrm>
-            <a:off x="448829" y="-15876"/>
-            <a:ext cx="723788" cy="553998"/>
+            <a:off x="448828" y="-15876"/>
+            <a:ext cx="973571" cy="553998"/>
           </a:xfrm>
           <a:prstGeom prst="rect">
             <a:avLst/>
@@ -12882,7 +12882,7 @@
           <a:noFill/>
         </p:spPr>
         <p:txBody>
-          <a:bodyPr wrap="none" rtlCol="0">
+          <a:bodyPr wrap="square" rtlCol="0">
             <a:spAutoFit/>
           </a:bodyPr>
           <a:lstStyle/>
